--- a/slides/05_inheritance.pptx
+++ b/slides/05_inheritance.pptx
@@ -10956,18 +10956,90 @@
           </a:bodyPr>
           <a:lstStyle/>
           <a:p>
-            <a:pPr indent="0" lvl="0" marL="0" rtl="0" algn="l">
+            <a:pPr indent="-317500" lvl="0" marL="457200" rtl="0" algn="l">
               <a:spcBef>
                 <a:spcPts val="320"/>
               </a:spcBef>
               <a:spcAft>
                 <a:spcPts val="0"/>
               </a:spcAft>
-              <a:buNone/>
+              <a:buSzPts val="1400"/>
+              <a:buChar char="●"/>
             </a:pPr>
             <a:r>
               <a:rPr lang="de"/>
-              <a:t>Klassen können in Java von anderen Klassen erben. Dadurch wird eine “ist ein”-Beziehung hergestellt. Dabei kann die Vererbung beliebig viele Stufen haben. Erbt eine Klasse von einer anderen, dann sind alle Instanzen der erbenden Klasse auch Instanzen der vererbenden Klasse. Was das für Konsequenzen hat sehen wir gleich noch.</a:t>
+              <a:t>Klassen können in Java von anderen Klassen erben. Dadurch wird eine “ist ein”-Beziehung hergestellt. </a:t>
+            </a:r>
+            <a:endParaRPr/>
+          </a:p>
+          <a:p>
+            <a:pPr indent="-317500" lvl="0" marL="457200" rtl="0" algn="l">
+              <a:spcBef>
+                <a:spcPts val="0"/>
+              </a:spcBef>
+              <a:spcAft>
+                <a:spcPts val="0"/>
+              </a:spcAft>
+              <a:buSzPts val="1400"/>
+              <a:buChar char="●"/>
+            </a:pPr>
+            <a:r>
+              <a:rPr lang="de"/>
+              <a:t>Dabei kann die Vererbung beliebig viele Stufen haben. </a:t>
+            </a:r>
+            <a:endParaRPr/>
+          </a:p>
+          <a:p>
+            <a:pPr indent="-317500" lvl="0" marL="457200" rtl="0" algn="l">
+              <a:spcBef>
+                <a:spcPts val="0"/>
+              </a:spcBef>
+              <a:spcAft>
+                <a:spcPts val="0"/>
+              </a:spcAft>
+              <a:buSzPts val="1400"/>
+              <a:buChar char="●"/>
+            </a:pPr>
+            <a:r>
+              <a:rPr lang="de"/>
+              <a:t>Erbt eine Klasse von einer anderen, dann sind alle Instanzen der erbenden Klasse auch Instanzen der vererbenden Klasse. Was das für Konsequenzen hat sehen wir gleich noch.</a:t>
+            </a:r>
+            <a:endParaRPr/>
+          </a:p>
+          <a:p>
+            <a:pPr indent="-317500" lvl="0" marL="457200" rtl="0" algn="l">
+              <a:spcBef>
+                <a:spcPts val="0"/>
+              </a:spcBef>
+              <a:spcAft>
+                <a:spcPts val="0"/>
+              </a:spcAft>
+              <a:buSzPts val="1400"/>
+              <a:buChar char="●"/>
+            </a:pPr>
+            <a:r>
+              <a:rPr lang="de"/>
+              <a:t>In Java </a:t>
+            </a:r>
+            <a:r>
+              <a:rPr b="1" lang="de"/>
+              <a:t>erbt jede Klasse von genau einer anderen Klasse </a:t>
+            </a:r>
+            <a:r>
+              <a:rPr lang="de"/>
+              <a:t>(keine Mehrfacherbung)</a:t>
+            </a:r>
+            <a:r>
+              <a:rPr b="1" lang="de"/>
+              <a:t>, </a:t>
+            </a:r>
+            <a:r>
+              <a:rPr lang="de"/>
+              <a:t>entweder explizit, oder von “Object” </a:t>
+            </a:r>
+            <a:r>
+              <a:rPr lang="de"/>
+              <a:t>, kann aber an beliebig viele andere Klassen vererben.</a:t>
             </a:r>
             <a:endParaRPr/>
           </a:p>
@@ -10989,8 +11061,8 @@
         </p:blipFill>
         <p:spPr>
           <a:xfrm>
-            <a:off x="1479298" y="2040048"/>
-            <a:ext cx="6185399" cy="2232000"/>
+            <a:off x="2433949" y="2854899"/>
+            <a:ext cx="4174424" cy="1506350"/>
           </a:xfrm>
           <a:prstGeom prst="rect">
             <a:avLst/>
@@ -11104,7 +11176,7 @@
             </a:pPr>
             <a:r>
               <a:rPr lang="de"/>
-              <a:t>In Java erbt jede Klasse direkt oder indirekt von der Klasse “Object”. Jede Klasse, die nicht von einer anderen Klasse erbt, erbt von “Object”. Java-Klassen sind somit streng hierarchisch geordnet.</a:t>
+              <a:t>In Java erbt jede Klasse direkt oder indirekt von der Klasse “Object”. Jede Klasse, die nicht von einer anderen Klasse erbt, erbt direkt von “Object”. Java-Klassen sind somit streng hierarchisch geordnet.</a:t>
             </a:r>
             <a:endParaRPr/>
           </a:p>

--- a/slides/05_inheritance.pptx
+++ b/slides/05_inheritance.pptx
@@ -10236,81 +10236,6 @@
               <a:rPr lang="de" sz="3600"/>
               <a:t>Fragen</a:t>
             </a:r>
-            <a:endParaRPr sz="3600"/>
-          </a:p>
-          <a:p>
-            <a:pPr indent="0" lvl="0" marL="0" rtl="0" algn="l">
-              <a:spcBef>
-                <a:spcPts val="320"/>
-              </a:spcBef>
-              <a:spcAft>
-                <a:spcPts val="0"/>
-              </a:spcAft>
-              <a:buClr>
-                <a:schemeClr val="dk1"/>
-              </a:buClr>
-              <a:buSzPts val="1100"/>
-              <a:buFont typeface="Arial"/>
-              <a:buNone/>
-            </a:pPr>
-            <a:r>
-              <a:t/>
-            </a:r>
-            <a:endParaRPr/>
-          </a:p>
-          <a:p>
-            <a:pPr indent="0" lvl="0" marL="0" rtl="0" algn="l">
-              <a:spcBef>
-                <a:spcPts val="320"/>
-              </a:spcBef>
-              <a:spcAft>
-                <a:spcPts val="0"/>
-              </a:spcAft>
-              <a:buClr>
-                <a:schemeClr val="dk1"/>
-              </a:buClr>
-              <a:buSzPts val="1100"/>
-              <a:buFont typeface="Arial"/>
-              <a:buNone/>
-            </a:pPr>
-            <a:r>
-              <a:t/>
-            </a:r>
-            <a:endParaRPr/>
-          </a:p>
-          <a:p>
-            <a:pPr indent="0" lvl="0" marL="0" rtl="0" algn="l">
-              <a:spcBef>
-                <a:spcPts val="320"/>
-              </a:spcBef>
-              <a:spcAft>
-                <a:spcPts val="0"/>
-              </a:spcAft>
-              <a:buClr>
-                <a:schemeClr val="dk1"/>
-              </a:buClr>
-              <a:buSzPts val="1100"/>
-              <a:buFont typeface="Arial"/>
-              <a:buNone/>
-            </a:pPr>
-            <a:r>
-              <a:t/>
-            </a:r>
-            <a:endParaRPr/>
-          </a:p>
-          <a:p>
-            <a:pPr indent="0" lvl="0" marL="0" rtl="0" algn="l">
-              <a:spcBef>
-                <a:spcPts val="320"/>
-              </a:spcBef>
-              <a:spcAft>
-                <a:spcPts val="0"/>
-              </a:spcAft>
-              <a:buNone/>
-            </a:pPr>
-            <a:r>
-              <a:t/>
-            </a:r>
             <a:endParaRPr/>
           </a:p>
         </p:txBody>
@@ -12535,6 +12460,285 @@
 </file>
 
 <file path=ppt/theme/theme1.xml><?xml version="1.0" encoding="utf-8"?>
+<a:theme xmlns:a="http://schemas.openxmlformats.org/drawingml/2006/main" xmlns:r="http://schemas.openxmlformats.org/officeDocument/2006/relationships" name="TUBraunschweig_PPT2007_Folienpool_pptx">
+  <a:themeElements>
+    <a:clrScheme name="TU Braunschweig">
+      <a:dk1>
+        <a:srgbClr val="000000"/>
+      </a:dk1>
+      <a:lt1>
+        <a:srgbClr val="FFFFFF"/>
+      </a:lt1>
+      <a:dk2>
+        <a:srgbClr val="000000"/>
+      </a:dk2>
+      <a:lt2>
+        <a:srgbClr val="DDDDDD"/>
+      </a:lt2>
+      <a:accent1>
+        <a:srgbClr val="BE1E3C"/>
+      </a:accent1>
+      <a:accent2>
+        <a:srgbClr val="4DA6CB"/>
+      </a:accent2>
+      <a:accent3>
+        <a:srgbClr val="ADBF4D"/>
+      </a:accent3>
+      <a:accent4>
+        <a:srgbClr val="FA6E00"/>
+      </a:accent4>
+      <a:accent5>
+        <a:srgbClr val="407E97"/>
+      </a:accent5>
+      <a:accent6>
+        <a:srgbClr val="984098"/>
+      </a:accent6>
+      <a:hlink>
+        <a:srgbClr val="BE1E3C"/>
+      </a:hlink>
+      <a:folHlink>
+        <a:srgbClr val="760054"/>
+      </a:folHlink>
+    </a:clrScheme>
+    <a:fontScheme name="Office">
+      <a:majorFont>
+        <a:latin typeface="Arial"/>
+        <a:ea typeface=""/>
+        <a:cs typeface=""/>
+        <a:font script="Jpan" typeface="ＭＳ Ｐゴシック"/>
+        <a:font script="Hang" typeface="맑은 고딕"/>
+        <a:font script="Hans" typeface="宋体"/>
+        <a:font script="Hant" typeface="新細明體"/>
+        <a:font script="Arab" typeface="Times New Roman"/>
+        <a:font script="Hebr" typeface="Times New Roman"/>
+        <a:font script="Thai" typeface="Angsana New"/>
+        <a:font script="Ethi" typeface="Nyala"/>
+        <a:font script="Beng" typeface="Vrinda"/>
+        <a:font script="Gujr" typeface="Shruti"/>
+        <a:font script="Khmr" typeface="MoolBoran"/>
+        <a:font script="Knda" typeface="Tunga"/>
+        <a:font script="Guru" typeface="Raavi"/>
+        <a:font script="Cans" typeface="Euphemia"/>
+        <a:font script="Cher" typeface="Plantagenet Cherokee"/>
+        <a:font script="Yiii" typeface="Microsoft Yi Baiti"/>
+        <a:font script="Tibt" typeface="Microsoft Himalaya"/>
+        <a:font script="Thaa" typeface="MV Boli"/>
+        <a:font script="Deva" typeface="Mangal"/>
+        <a:font script="Telu" typeface="Gautami"/>
+        <a:font script="Taml" typeface="Latha"/>
+        <a:font script="Syrc" typeface="Estrangelo Edessa"/>
+        <a:font script="Orya" typeface="Kalinga"/>
+        <a:font script="Mlym" typeface="Kartika"/>
+        <a:font script="Laoo" typeface="DokChampa"/>
+        <a:font script="Sinh" typeface="Iskoola Pota"/>
+        <a:font script="Mong" typeface="Mongolian Baiti"/>
+        <a:font script="Viet" typeface="Times New Roman"/>
+        <a:font script="Uigh" typeface="Microsoft Uighur"/>
+        <a:font script="Geor" typeface="Sylfaen"/>
+      </a:majorFont>
+      <a:minorFont>
+        <a:latin typeface="Arial"/>
+        <a:ea typeface=""/>
+        <a:cs typeface=""/>
+        <a:font script="Jpan" typeface="ＭＳ Ｐゴシック"/>
+        <a:font script="Hang" typeface="맑은 고딕"/>
+        <a:font script="Hans" typeface="宋体"/>
+        <a:font script="Hant" typeface="新細明體"/>
+        <a:font script="Arab" typeface="Arial"/>
+        <a:font script="Hebr" typeface="Arial"/>
+        <a:font script="Thai" typeface="Cordia New"/>
+        <a:font script="Ethi" typeface="Nyala"/>
+        <a:font script="Beng" typeface="Vrinda"/>
+        <a:font script="Gujr" typeface="Shruti"/>
+        <a:font script="Khmr" typeface="DaunPenh"/>
+        <a:font script="Knda" typeface="Tunga"/>
+        <a:font script="Guru" typeface="Raavi"/>
+        <a:font script="Cans" typeface="Euphemia"/>
+        <a:font script="Cher" typeface="Plantagenet Cherokee"/>
+        <a:font script="Yiii" typeface="Microsoft Yi Baiti"/>
+        <a:font script="Tibt" typeface="Microsoft Himalaya"/>
+        <a:font script="Thaa" typeface="MV Boli"/>
+        <a:font script="Deva" typeface="Mangal"/>
+        <a:font script="Telu" typeface="Gautami"/>
+        <a:font script="Taml" typeface="Latha"/>
+        <a:font script="Syrc" typeface="Estrangelo Edessa"/>
+        <a:font script="Orya" typeface="Kalinga"/>
+        <a:font script="Mlym" typeface="Kartika"/>
+        <a:font script="Laoo" typeface="DokChampa"/>
+        <a:font script="Sinh" typeface="Iskoola Pota"/>
+        <a:font script="Mong" typeface="Mongolian Baiti"/>
+        <a:font script="Viet" typeface="Arial"/>
+        <a:font script="Uigh" typeface="Microsoft Uighur"/>
+        <a:font script="Geor" typeface="Sylfaen"/>
+      </a:minorFont>
+    </a:fontScheme>
+    <a:fmtScheme name="Office">
+      <a:fillStyleLst>
+        <a:solidFill>
+          <a:schemeClr val="phClr"/>
+        </a:solidFill>
+        <a:gradFill rotWithShape="1">
+          <a:gsLst>
+            <a:gs pos="0">
+              <a:schemeClr val="phClr">
+                <a:tint val="50000"/>
+                <a:satMod val="300000"/>
+              </a:schemeClr>
+            </a:gs>
+            <a:gs pos="35000">
+              <a:schemeClr val="phClr">
+                <a:tint val="37000"/>
+                <a:satMod val="300000"/>
+              </a:schemeClr>
+            </a:gs>
+            <a:gs pos="100000">
+              <a:schemeClr val="phClr">
+                <a:tint val="15000"/>
+                <a:satMod val="350000"/>
+              </a:schemeClr>
+            </a:gs>
+          </a:gsLst>
+          <a:lin ang="16200000" scaled="1"/>
+        </a:gradFill>
+        <a:gradFill rotWithShape="1">
+          <a:gsLst>
+            <a:gs pos="0">
+              <a:schemeClr val="phClr">
+                <a:tint val="100000"/>
+                <a:shade val="100000"/>
+                <a:satMod val="130000"/>
+              </a:schemeClr>
+            </a:gs>
+            <a:gs pos="100000">
+              <a:schemeClr val="phClr">
+                <a:tint val="50000"/>
+                <a:shade val="100000"/>
+                <a:satMod val="350000"/>
+              </a:schemeClr>
+            </a:gs>
+          </a:gsLst>
+          <a:lin ang="16200000" scaled="0"/>
+        </a:gradFill>
+      </a:fillStyleLst>
+      <a:lnStyleLst>
+        <a:ln w="9525" cap="flat" cmpd="sng" algn="ctr">
+          <a:solidFill>
+            <a:schemeClr val="phClr">
+              <a:shade val="95000"/>
+              <a:satMod val="105000"/>
+            </a:schemeClr>
+          </a:solidFill>
+          <a:prstDash val="solid"/>
+        </a:ln>
+        <a:ln w="25400" cap="flat" cmpd="sng" algn="ctr">
+          <a:solidFill>
+            <a:schemeClr val="phClr"/>
+          </a:solidFill>
+          <a:prstDash val="solid"/>
+        </a:ln>
+        <a:ln w="38100" cap="flat" cmpd="sng" algn="ctr">
+          <a:solidFill>
+            <a:schemeClr val="phClr"/>
+          </a:solidFill>
+          <a:prstDash val="solid"/>
+        </a:ln>
+      </a:lnStyleLst>
+      <a:effectStyleLst>
+        <a:effectStyle>
+          <a:effectLst>
+            <a:outerShdw blurRad="40000" dist="20000" dir="5400000" rotWithShape="0">
+              <a:srgbClr val="000000">
+                <a:alpha val="38000"/>
+              </a:srgbClr>
+            </a:outerShdw>
+          </a:effectLst>
+        </a:effectStyle>
+        <a:effectStyle>
+          <a:effectLst>
+            <a:outerShdw blurRad="40000" dist="23000" dir="5400000" rotWithShape="0">
+              <a:srgbClr val="000000">
+                <a:alpha val="35000"/>
+              </a:srgbClr>
+            </a:outerShdw>
+          </a:effectLst>
+        </a:effectStyle>
+        <a:effectStyle>
+          <a:effectLst>
+            <a:outerShdw blurRad="40000" dist="23000" dir="5400000" rotWithShape="0">
+              <a:srgbClr val="000000">
+                <a:alpha val="35000"/>
+              </a:srgbClr>
+            </a:outerShdw>
+          </a:effectLst>
+          <a:scene3d>
+            <a:camera prst="orthographicFront">
+              <a:rot lat="0" lon="0" rev="0"/>
+            </a:camera>
+            <a:lightRig rig="threePt" dir="t">
+              <a:rot lat="0" lon="0" rev="1200000"/>
+            </a:lightRig>
+          </a:scene3d>
+          <a:sp3d>
+            <a:bevelT w="63500" h="25400"/>
+          </a:sp3d>
+        </a:effectStyle>
+      </a:effectStyleLst>
+      <a:bgFillStyleLst>
+        <a:solidFill>
+          <a:schemeClr val="phClr"/>
+        </a:solidFill>
+        <a:gradFill rotWithShape="1">
+          <a:gsLst>
+            <a:gs pos="0">
+              <a:schemeClr val="phClr">
+                <a:tint val="40000"/>
+                <a:satMod val="350000"/>
+              </a:schemeClr>
+            </a:gs>
+            <a:gs pos="40000">
+              <a:schemeClr val="phClr">
+                <a:tint val="45000"/>
+                <a:shade val="99000"/>
+                <a:satMod val="350000"/>
+              </a:schemeClr>
+            </a:gs>
+            <a:gs pos="100000">
+              <a:schemeClr val="phClr">
+                <a:shade val="20000"/>
+                <a:satMod val="255000"/>
+              </a:schemeClr>
+            </a:gs>
+          </a:gsLst>
+          <a:path path="circle">
+            <a:fillToRect l="50000" t="-80000" r="50000" b="180000"/>
+          </a:path>
+        </a:gradFill>
+        <a:gradFill rotWithShape="1">
+          <a:gsLst>
+            <a:gs pos="0">
+              <a:schemeClr val="phClr">
+                <a:tint val="80000"/>
+                <a:satMod val="300000"/>
+              </a:schemeClr>
+            </a:gs>
+            <a:gs pos="100000">
+              <a:schemeClr val="phClr">
+                <a:shade val="30000"/>
+                <a:satMod val="200000"/>
+              </a:schemeClr>
+            </a:gs>
+          </a:gsLst>
+          <a:path path="circle">
+            <a:fillToRect l="50000" t="50000" r="50000" b="50000"/>
+          </a:path>
+        </a:gradFill>
+      </a:bgFillStyleLst>
+    </a:fmtScheme>
+  </a:themeElements>
+</a:theme>
+</file>
+
+<file path=ppt/theme/theme2.xml><?xml version="1.0" encoding="utf-8"?>
 <a:theme xmlns:a="http://schemas.openxmlformats.org/drawingml/2006/main" xmlns:r="http://schemas.openxmlformats.org/officeDocument/2006/relationships">
   <a:themeElements>
     <a:clrScheme name="Default">
@@ -12811,283 +13015,4 @@
     </a:fmtScheme>
   </a:themeElements>
 </a:theme>
-</file>
-
-<file path=ppt/theme/theme2.xml><?xml version="1.0" encoding="utf-8"?>
-<a:theme xmlns:a="http://schemas.openxmlformats.org/drawingml/2006/main" xmlns:r="http://schemas.openxmlformats.org/officeDocument/2006/relationships" name="TUBraunschweig_PPT2007_Folienpool_pptx">
-  <a:themeElements>
-    <a:clrScheme name="TU Braunschweig">
-      <a:dk1>
-        <a:srgbClr val="000000"/>
-      </a:dk1>
-      <a:lt1>
-        <a:srgbClr val="FFFFFF"/>
-      </a:lt1>
-      <a:dk2>
-        <a:srgbClr val="000000"/>
-      </a:dk2>
-      <a:lt2>
-        <a:srgbClr val="DDDDDD"/>
-      </a:lt2>
-      <a:accent1>
-        <a:srgbClr val="BE1E3C"/>
-      </a:accent1>
-      <a:accent2>
-        <a:srgbClr val="4DA6CB"/>
-      </a:accent2>
-      <a:accent3>
-        <a:srgbClr val="ADBF4D"/>
-      </a:accent3>
-      <a:accent4>
-        <a:srgbClr val="FA6E00"/>
-      </a:accent4>
-      <a:accent5>
-        <a:srgbClr val="407E97"/>
-      </a:accent5>
-      <a:accent6>
-        <a:srgbClr val="984098"/>
-      </a:accent6>
-      <a:hlink>
-        <a:srgbClr val="BE1E3C"/>
-      </a:hlink>
-      <a:folHlink>
-        <a:srgbClr val="760054"/>
-      </a:folHlink>
-    </a:clrScheme>
-    <a:fontScheme name="Office">
-      <a:majorFont>
-        <a:latin typeface="Arial"/>
-        <a:ea typeface=""/>
-        <a:cs typeface=""/>
-        <a:font script="Jpan" typeface="ＭＳ Ｐゴシック"/>
-        <a:font script="Hang" typeface="맑은 고딕"/>
-        <a:font script="Hans" typeface="宋体"/>
-        <a:font script="Hant" typeface="新細明體"/>
-        <a:font script="Arab" typeface="Times New Roman"/>
-        <a:font script="Hebr" typeface="Times New Roman"/>
-        <a:font script="Thai" typeface="Angsana New"/>
-        <a:font script="Ethi" typeface="Nyala"/>
-        <a:font script="Beng" typeface="Vrinda"/>
-        <a:font script="Gujr" typeface="Shruti"/>
-        <a:font script="Khmr" typeface="MoolBoran"/>
-        <a:font script="Knda" typeface="Tunga"/>
-        <a:font script="Guru" typeface="Raavi"/>
-        <a:font script="Cans" typeface="Euphemia"/>
-        <a:font script="Cher" typeface="Plantagenet Cherokee"/>
-        <a:font script="Yiii" typeface="Microsoft Yi Baiti"/>
-        <a:font script="Tibt" typeface="Microsoft Himalaya"/>
-        <a:font script="Thaa" typeface="MV Boli"/>
-        <a:font script="Deva" typeface="Mangal"/>
-        <a:font script="Telu" typeface="Gautami"/>
-        <a:font script="Taml" typeface="Latha"/>
-        <a:font script="Syrc" typeface="Estrangelo Edessa"/>
-        <a:font script="Orya" typeface="Kalinga"/>
-        <a:font script="Mlym" typeface="Kartika"/>
-        <a:font script="Laoo" typeface="DokChampa"/>
-        <a:font script="Sinh" typeface="Iskoola Pota"/>
-        <a:font script="Mong" typeface="Mongolian Baiti"/>
-        <a:font script="Viet" typeface="Times New Roman"/>
-        <a:font script="Uigh" typeface="Microsoft Uighur"/>
-        <a:font script="Geor" typeface="Sylfaen"/>
-      </a:majorFont>
-      <a:minorFont>
-        <a:latin typeface="Arial"/>
-        <a:ea typeface=""/>
-        <a:cs typeface=""/>
-        <a:font script="Jpan" typeface="ＭＳ Ｐゴシック"/>
-        <a:font script="Hang" typeface="맑은 고딕"/>
-        <a:font script="Hans" typeface="宋体"/>
-        <a:font script="Hant" typeface="新細明體"/>
-        <a:font script="Arab" typeface="Arial"/>
-        <a:font script="Hebr" typeface="Arial"/>
-        <a:font script="Thai" typeface="Cordia New"/>
-        <a:font script="Ethi" typeface="Nyala"/>
-        <a:font script="Beng" typeface="Vrinda"/>
-        <a:font script="Gujr" typeface="Shruti"/>
-        <a:font script="Khmr" typeface="DaunPenh"/>
-        <a:font script="Knda" typeface="Tunga"/>
-        <a:font script="Guru" typeface="Raavi"/>
-        <a:font script="Cans" typeface="Euphemia"/>
-        <a:font script="Cher" typeface="Plantagenet Cherokee"/>
-        <a:font script="Yiii" typeface="Microsoft Yi Baiti"/>
-        <a:font script="Tibt" typeface="Microsoft Himalaya"/>
-        <a:font script="Thaa" typeface="MV Boli"/>
-        <a:font script="Deva" typeface="Mangal"/>
-        <a:font script="Telu" typeface="Gautami"/>
-        <a:font script="Taml" typeface="Latha"/>
-        <a:font script="Syrc" typeface="Estrangelo Edessa"/>
-        <a:font script="Orya" typeface="Kalinga"/>
-        <a:font script="Mlym" typeface="Kartika"/>
-        <a:font script="Laoo" typeface="DokChampa"/>
-        <a:font script="Sinh" typeface="Iskoola Pota"/>
-        <a:font script="Mong" typeface="Mongolian Baiti"/>
-        <a:font script="Viet" typeface="Arial"/>
-        <a:font script="Uigh" typeface="Microsoft Uighur"/>
-        <a:font script="Geor" typeface="Sylfaen"/>
-      </a:minorFont>
-    </a:fontScheme>
-    <a:fmtScheme name="Office">
-      <a:fillStyleLst>
-        <a:solidFill>
-          <a:schemeClr val="phClr"/>
-        </a:solidFill>
-        <a:gradFill rotWithShape="1">
-          <a:gsLst>
-            <a:gs pos="0">
-              <a:schemeClr val="phClr">
-                <a:tint val="50000"/>
-                <a:satMod val="300000"/>
-              </a:schemeClr>
-            </a:gs>
-            <a:gs pos="35000">
-              <a:schemeClr val="phClr">
-                <a:tint val="37000"/>
-                <a:satMod val="300000"/>
-              </a:schemeClr>
-            </a:gs>
-            <a:gs pos="100000">
-              <a:schemeClr val="phClr">
-                <a:tint val="15000"/>
-                <a:satMod val="350000"/>
-              </a:schemeClr>
-            </a:gs>
-          </a:gsLst>
-          <a:lin ang="16200000" scaled="1"/>
-        </a:gradFill>
-        <a:gradFill rotWithShape="1">
-          <a:gsLst>
-            <a:gs pos="0">
-              <a:schemeClr val="phClr">
-                <a:tint val="100000"/>
-                <a:shade val="100000"/>
-                <a:satMod val="130000"/>
-              </a:schemeClr>
-            </a:gs>
-            <a:gs pos="100000">
-              <a:schemeClr val="phClr">
-                <a:tint val="50000"/>
-                <a:shade val="100000"/>
-                <a:satMod val="350000"/>
-              </a:schemeClr>
-            </a:gs>
-          </a:gsLst>
-          <a:lin ang="16200000" scaled="0"/>
-        </a:gradFill>
-      </a:fillStyleLst>
-      <a:lnStyleLst>
-        <a:ln w="9525" cap="flat" cmpd="sng" algn="ctr">
-          <a:solidFill>
-            <a:schemeClr val="phClr">
-              <a:shade val="95000"/>
-              <a:satMod val="105000"/>
-            </a:schemeClr>
-          </a:solidFill>
-          <a:prstDash val="solid"/>
-        </a:ln>
-        <a:ln w="25400" cap="flat" cmpd="sng" algn="ctr">
-          <a:solidFill>
-            <a:schemeClr val="phClr"/>
-          </a:solidFill>
-          <a:prstDash val="solid"/>
-        </a:ln>
-        <a:ln w="38100" cap="flat" cmpd="sng" algn="ctr">
-          <a:solidFill>
-            <a:schemeClr val="phClr"/>
-          </a:solidFill>
-          <a:prstDash val="solid"/>
-        </a:ln>
-      </a:lnStyleLst>
-      <a:effectStyleLst>
-        <a:effectStyle>
-          <a:effectLst>
-            <a:outerShdw blurRad="40000" dist="20000" dir="5400000" rotWithShape="0">
-              <a:srgbClr val="000000">
-                <a:alpha val="38000"/>
-              </a:srgbClr>
-            </a:outerShdw>
-          </a:effectLst>
-        </a:effectStyle>
-        <a:effectStyle>
-          <a:effectLst>
-            <a:outerShdw blurRad="40000" dist="23000" dir="5400000" rotWithShape="0">
-              <a:srgbClr val="000000">
-                <a:alpha val="35000"/>
-              </a:srgbClr>
-            </a:outerShdw>
-          </a:effectLst>
-        </a:effectStyle>
-        <a:effectStyle>
-          <a:effectLst>
-            <a:outerShdw blurRad="40000" dist="23000" dir="5400000" rotWithShape="0">
-              <a:srgbClr val="000000">
-                <a:alpha val="35000"/>
-              </a:srgbClr>
-            </a:outerShdw>
-          </a:effectLst>
-          <a:scene3d>
-            <a:camera prst="orthographicFront">
-              <a:rot lat="0" lon="0" rev="0"/>
-            </a:camera>
-            <a:lightRig rig="threePt" dir="t">
-              <a:rot lat="0" lon="0" rev="1200000"/>
-            </a:lightRig>
-          </a:scene3d>
-          <a:sp3d>
-            <a:bevelT w="63500" h="25400"/>
-          </a:sp3d>
-        </a:effectStyle>
-      </a:effectStyleLst>
-      <a:bgFillStyleLst>
-        <a:solidFill>
-          <a:schemeClr val="phClr"/>
-        </a:solidFill>
-        <a:gradFill rotWithShape="1">
-          <a:gsLst>
-            <a:gs pos="0">
-              <a:schemeClr val="phClr">
-                <a:tint val="40000"/>
-                <a:satMod val="350000"/>
-              </a:schemeClr>
-            </a:gs>
-            <a:gs pos="40000">
-              <a:schemeClr val="phClr">
-                <a:tint val="45000"/>
-                <a:shade val="99000"/>
-                <a:satMod val="350000"/>
-              </a:schemeClr>
-            </a:gs>
-            <a:gs pos="100000">
-              <a:schemeClr val="phClr">
-                <a:shade val="20000"/>
-                <a:satMod val="255000"/>
-              </a:schemeClr>
-            </a:gs>
-          </a:gsLst>
-          <a:path path="circle">
-            <a:fillToRect l="50000" t="-80000" r="50000" b="180000"/>
-          </a:path>
-        </a:gradFill>
-        <a:gradFill rotWithShape="1">
-          <a:gsLst>
-            <a:gs pos="0">
-              <a:schemeClr val="phClr">
-                <a:tint val="80000"/>
-                <a:satMod val="300000"/>
-              </a:schemeClr>
-            </a:gs>
-            <a:gs pos="100000">
-              <a:schemeClr val="phClr">
-                <a:shade val="30000"/>
-                <a:satMod val="200000"/>
-              </a:schemeClr>
-            </a:gs>
-          </a:gsLst>
-          <a:path path="circle">
-            <a:fillToRect l="50000" t="50000" r="50000" b="50000"/>
-          </a:path>
-        </a:gradFill>
-      </a:bgFillStyleLst>
-    </a:fmtScheme>
-  </a:themeElements>
-</a:theme>
 </file>
--- a/slides/05_inheritance.pptx
+++ b/slides/05_inheritance.pptx
@@ -12460,6 +12460,285 @@
 </file>
 
 <file path=ppt/theme/theme1.xml><?xml version="1.0" encoding="utf-8"?>
+<a:theme xmlns:a="http://schemas.openxmlformats.org/drawingml/2006/main" xmlns:r="http://schemas.openxmlformats.org/officeDocument/2006/relationships">
+  <a:themeElements>
+    <a:clrScheme name="Default">
+      <a:dk1>
+        <a:srgbClr val="000000"/>
+      </a:dk1>
+      <a:lt1>
+        <a:srgbClr val="FFFFFF"/>
+      </a:lt1>
+      <a:dk2>
+        <a:srgbClr val="158158"/>
+      </a:dk2>
+      <a:lt2>
+        <a:srgbClr val="F3F3F3"/>
+      </a:lt2>
+      <a:accent1>
+        <a:srgbClr val="058DC7"/>
+      </a:accent1>
+      <a:accent2>
+        <a:srgbClr val="50B432"/>
+      </a:accent2>
+      <a:accent3>
+        <a:srgbClr val="ED561B"/>
+      </a:accent3>
+      <a:accent4>
+        <a:srgbClr val="EDEF00"/>
+      </a:accent4>
+      <a:accent5>
+        <a:srgbClr val="24CBE5"/>
+      </a:accent5>
+      <a:accent6>
+        <a:srgbClr val="64E572"/>
+      </a:accent6>
+      <a:hlink>
+        <a:srgbClr val="2200CC"/>
+      </a:hlink>
+      <a:folHlink>
+        <a:srgbClr val="551A8B"/>
+      </a:folHlink>
+    </a:clrScheme>
+    <a:fontScheme name="Office">
+      <a:majorFont>
+        <a:latin typeface="Arial"/>
+        <a:ea typeface=""/>
+        <a:cs typeface=""/>
+        <a:font script="Jpan" typeface="ＭＳ Ｐゴシック"/>
+        <a:font script="Hang" typeface="맑은 고딕"/>
+        <a:font script="Hans" typeface="宋体"/>
+        <a:font script="Hant" typeface="新細明體"/>
+        <a:font script="Arab" typeface="Times New Roman"/>
+        <a:font script="Hebr" typeface="Times New Roman"/>
+        <a:font script="Thai" typeface="Angsana New"/>
+        <a:font script="Ethi" typeface="Nyala"/>
+        <a:font script="Beng" typeface="Vrinda"/>
+        <a:font script="Gujr" typeface="Shruti"/>
+        <a:font script="Khmr" typeface="MoolBoran"/>
+        <a:font script="Knda" typeface="Tunga"/>
+        <a:font script="Guru" typeface="Raavi"/>
+        <a:font script="Cans" typeface="Euphemia"/>
+        <a:font script="Cher" typeface="Plantagenet Cherokee"/>
+        <a:font script="Yiii" typeface="Microsoft Yi Baiti"/>
+        <a:font script="Tibt" typeface="Microsoft Himalaya"/>
+        <a:font script="Thaa" typeface="MV Boli"/>
+        <a:font script="Deva" typeface="Mangal"/>
+        <a:font script="Telu" typeface="Gautami"/>
+        <a:font script="Taml" typeface="Latha"/>
+        <a:font script="Syrc" typeface="Estrangelo Edessa"/>
+        <a:font script="Orya" typeface="Kalinga"/>
+        <a:font script="Mlym" typeface="Kartika"/>
+        <a:font script="Laoo" typeface="DokChampa"/>
+        <a:font script="Sinh" typeface="Iskoola Pota"/>
+        <a:font script="Mong" typeface="Mongolian Baiti"/>
+        <a:font script="Viet" typeface="Times New Roman"/>
+        <a:font script="Uigh" typeface="Microsoft Uighur"/>
+        <a:font script="Geor" typeface="Sylfaen"/>
+      </a:majorFont>
+      <a:minorFont>
+        <a:latin typeface="Arial"/>
+        <a:ea typeface=""/>
+        <a:cs typeface=""/>
+        <a:font script="Jpan" typeface="ＭＳ Ｐゴシック"/>
+        <a:font script="Hang" typeface="맑은 고딕"/>
+        <a:font script="Hans" typeface="宋体"/>
+        <a:font script="Hant" typeface="新細明體"/>
+        <a:font script="Arab" typeface="Arial"/>
+        <a:font script="Hebr" typeface="Arial"/>
+        <a:font script="Thai" typeface="Cordia New"/>
+        <a:font script="Ethi" typeface="Nyala"/>
+        <a:font script="Beng" typeface="Vrinda"/>
+        <a:font script="Gujr" typeface="Shruti"/>
+        <a:font script="Khmr" typeface="DaunPenh"/>
+        <a:font script="Knda" typeface="Tunga"/>
+        <a:font script="Guru" typeface="Raavi"/>
+        <a:font script="Cans" typeface="Euphemia"/>
+        <a:font script="Cher" typeface="Plantagenet Cherokee"/>
+        <a:font script="Yiii" typeface="Microsoft Yi Baiti"/>
+        <a:font script="Tibt" typeface="Microsoft Himalaya"/>
+        <a:font script="Thaa" typeface="MV Boli"/>
+        <a:font script="Deva" typeface="Mangal"/>
+        <a:font script="Telu" typeface="Gautami"/>
+        <a:font script="Taml" typeface="Latha"/>
+        <a:font script="Syrc" typeface="Estrangelo Edessa"/>
+        <a:font script="Orya" typeface="Kalinga"/>
+        <a:font script="Mlym" typeface="Kartika"/>
+        <a:font script="Laoo" typeface="DokChampa"/>
+        <a:font script="Sinh" typeface="Iskoola Pota"/>
+        <a:font script="Mong" typeface="Mongolian Baiti"/>
+        <a:font script="Viet" typeface="Arial"/>
+        <a:font script="Uigh" typeface="Microsoft Uighur"/>
+        <a:font script="Geor" typeface="Sylfaen"/>
+      </a:minorFont>
+    </a:fontScheme>
+    <a:fmtScheme name="Office">
+      <a:fillStyleLst>
+        <a:solidFill>
+          <a:schemeClr val="phClr"/>
+        </a:solidFill>
+        <a:gradFill rotWithShape="1">
+          <a:gsLst>
+            <a:gs pos="0">
+              <a:schemeClr val="phClr">
+                <a:tint val="50000"/>
+                <a:satMod val="300000"/>
+              </a:schemeClr>
+            </a:gs>
+            <a:gs pos="35000">
+              <a:schemeClr val="phClr">
+                <a:tint val="37000"/>
+                <a:satMod val="300000"/>
+              </a:schemeClr>
+            </a:gs>
+            <a:gs pos="100000">
+              <a:schemeClr val="phClr">
+                <a:tint val="15000"/>
+                <a:satMod val="350000"/>
+              </a:schemeClr>
+            </a:gs>
+          </a:gsLst>
+          <a:lin ang="16200000" scaled="1"/>
+        </a:gradFill>
+        <a:gradFill rotWithShape="1">
+          <a:gsLst>
+            <a:gs pos="0">
+              <a:schemeClr val="phClr">
+                <a:tint val="100000"/>
+                <a:shade val="100000"/>
+                <a:satMod val="130000"/>
+              </a:schemeClr>
+            </a:gs>
+            <a:gs pos="100000">
+              <a:schemeClr val="phClr">
+                <a:tint val="50000"/>
+                <a:shade val="100000"/>
+                <a:satMod val="350000"/>
+              </a:schemeClr>
+            </a:gs>
+          </a:gsLst>
+          <a:lin ang="16200000" scaled="0"/>
+        </a:gradFill>
+      </a:fillStyleLst>
+      <a:lnStyleLst>
+        <a:ln w="9525" cap="flat" cmpd="sng" algn="ctr">
+          <a:solidFill>
+            <a:schemeClr val="phClr">
+              <a:shade val="95000"/>
+              <a:satMod val="105000"/>
+            </a:schemeClr>
+          </a:solidFill>
+          <a:prstDash val="solid"/>
+        </a:ln>
+        <a:ln w="25400" cap="flat" cmpd="sng" algn="ctr">
+          <a:solidFill>
+            <a:schemeClr val="phClr"/>
+          </a:solidFill>
+          <a:prstDash val="solid"/>
+        </a:ln>
+        <a:ln w="38100" cap="flat" cmpd="sng" algn="ctr">
+          <a:solidFill>
+            <a:schemeClr val="phClr"/>
+          </a:solidFill>
+          <a:prstDash val="solid"/>
+        </a:ln>
+      </a:lnStyleLst>
+      <a:effectStyleLst>
+        <a:effectStyle>
+          <a:effectLst>
+            <a:outerShdw blurRad="40000" dist="20000" dir="5400000" rotWithShape="0">
+              <a:srgbClr val="000000">
+                <a:alpha val="38000"/>
+              </a:srgbClr>
+            </a:outerShdw>
+          </a:effectLst>
+        </a:effectStyle>
+        <a:effectStyle>
+          <a:effectLst>
+            <a:outerShdw blurRad="40000" dist="23000" dir="5400000" rotWithShape="0">
+              <a:srgbClr val="000000">
+                <a:alpha val="35000"/>
+              </a:srgbClr>
+            </a:outerShdw>
+          </a:effectLst>
+        </a:effectStyle>
+        <a:effectStyle>
+          <a:effectLst>
+            <a:outerShdw blurRad="40000" dist="23000" dir="5400000" rotWithShape="0">
+              <a:srgbClr val="000000">
+                <a:alpha val="35000"/>
+              </a:srgbClr>
+            </a:outerShdw>
+          </a:effectLst>
+          <a:scene3d>
+            <a:camera prst="orthographicFront">
+              <a:rot lat="0" lon="0" rev="0"/>
+            </a:camera>
+            <a:lightRig rig="threePt" dir="t">
+              <a:rot lat="0" lon="0" rev="1200000"/>
+            </a:lightRig>
+          </a:scene3d>
+          <a:sp3d>
+            <a:bevelT w="63500" h="25400"/>
+          </a:sp3d>
+        </a:effectStyle>
+      </a:effectStyleLst>
+      <a:bgFillStyleLst>
+        <a:solidFill>
+          <a:schemeClr val="phClr"/>
+        </a:solidFill>
+        <a:gradFill rotWithShape="1">
+          <a:gsLst>
+            <a:gs pos="0">
+              <a:schemeClr val="phClr">
+                <a:tint val="40000"/>
+                <a:satMod val="350000"/>
+              </a:schemeClr>
+            </a:gs>
+            <a:gs pos="40000">
+              <a:schemeClr val="phClr">
+                <a:tint val="45000"/>
+                <a:shade val="99000"/>
+                <a:satMod val="350000"/>
+              </a:schemeClr>
+            </a:gs>
+            <a:gs pos="100000">
+              <a:schemeClr val="phClr">
+                <a:shade val="20000"/>
+                <a:satMod val="255000"/>
+              </a:schemeClr>
+            </a:gs>
+          </a:gsLst>
+          <a:path path="circle">
+            <a:fillToRect l="50000" t="-80000" r="50000" b="180000"/>
+          </a:path>
+        </a:gradFill>
+        <a:gradFill rotWithShape="1">
+          <a:gsLst>
+            <a:gs pos="0">
+              <a:schemeClr val="phClr">
+                <a:tint val="80000"/>
+                <a:satMod val="300000"/>
+              </a:schemeClr>
+            </a:gs>
+            <a:gs pos="100000">
+              <a:schemeClr val="phClr">
+                <a:shade val="30000"/>
+                <a:satMod val="200000"/>
+              </a:schemeClr>
+            </a:gs>
+          </a:gsLst>
+          <a:path path="circle">
+            <a:fillToRect l="50000" t="50000" r="50000" b="50000"/>
+          </a:path>
+        </a:gradFill>
+      </a:bgFillStyleLst>
+    </a:fmtScheme>
+  </a:themeElements>
+</a:theme>
+</file>
+
+<file path=ppt/theme/theme2.xml><?xml version="1.0" encoding="utf-8"?>
 <a:theme xmlns:a="http://schemas.openxmlformats.org/drawingml/2006/main" xmlns:r="http://schemas.openxmlformats.org/officeDocument/2006/relationships" name="TUBraunschweig_PPT2007_Folienpool_pptx">
   <a:themeElements>
     <a:clrScheme name="TU Braunschweig">
@@ -12736,283 +13015,4 @@
     </a:fmtScheme>
   </a:themeElements>
 </a:theme>
-</file>
-
-<file path=ppt/theme/theme2.xml><?xml version="1.0" encoding="utf-8"?>
-<a:theme xmlns:a="http://schemas.openxmlformats.org/drawingml/2006/main" xmlns:r="http://schemas.openxmlformats.org/officeDocument/2006/relationships">
-  <a:themeElements>
-    <a:clrScheme name="Default">
-      <a:dk1>
-        <a:srgbClr val="000000"/>
-      </a:dk1>
-      <a:lt1>
-        <a:srgbClr val="FFFFFF"/>
-      </a:lt1>
-      <a:dk2>
-        <a:srgbClr val="158158"/>
-      </a:dk2>
-      <a:lt2>
-        <a:srgbClr val="F3F3F3"/>
-      </a:lt2>
-      <a:accent1>
-        <a:srgbClr val="058DC7"/>
-      </a:accent1>
-      <a:accent2>
-        <a:srgbClr val="50B432"/>
-      </a:accent2>
-      <a:accent3>
-        <a:srgbClr val="ED561B"/>
-      </a:accent3>
-      <a:accent4>
-        <a:srgbClr val="EDEF00"/>
-      </a:accent4>
-      <a:accent5>
-        <a:srgbClr val="24CBE5"/>
-      </a:accent5>
-      <a:accent6>
-        <a:srgbClr val="64E572"/>
-      </a:accent6>
-      <a:hlink>
-        <a:srgbClr val="2200CC"/>
-      </a:hlink>
-      <a:folHlink>
-        <a:srgbClr val="551A8B"/>
-      </a:folHlink>
-    </a:clrScheme>
-    <a:fontScheme name="Office">
-      <a:majorFont>
-        <a:latin typeface="Arial"/>
-        <a:ea typeface=""/>
-        <a:cs typeface=""/>
-        <a:font script="Jpan" typeface="ＭＳ Ｐゴシック"/>
-        <a:font script="Hang" typeface="맑은 고딕"/>
-        <a:font script="Hans" typeface="宋体"/>
-        <a:font script="Hant" typeface="新細明體"/>
-        <a:font script="Arab" typeface="Times New Roman"/>
-        <a:font script="Hebr" typeface="Times New Roman"/>
-        <a:font script="Thai" typeface="Angsana New"/>
-        <a:font script="Ethi" typeface="Nyala"/>
-        <a:font script="Beng" typeface="Vrinda"/>
-        <a:font script="Gujr" typeface="Shruti"/>
-        <a:font script="Khmr" typeface="MoolBoran"/>
-        <a:font script="Knda" typeface="Tunga"/>
-        <a:font script="Guru" typeface="Raavi"/>
-        <a:font script="Cans" typeface="Euphemia"/>
-        <a:font script="Cher" typeface="Plantagenet Cherokee"/>
-        <a:font script="Yiii" typeface="Microsoft Yi Baiti"/>
-        <a:font script="Tibt" typeface="Microsoft Himalaya"/>
-        <a:font script="Thaa" typeface="MV Boli"/>
-        <a:font script="Deva" typeface="Mangal"/>
-        <a:font script="Telu" typeface="Gautami"/>
-        <a:font script="Taml" typeface="Latha"/>
-        <a:font script="Syrc" typeface="Estrangelo Edessa"/>
-        <a:font script="Orya" typeface="Kalinga"/>
-        <a:font script="Mlym" typeface="Kartika"/>
-        <a:font script="Laoo" typeface="DokChampa"/>
-        <a:font script="Sinh" typeface="Iskoola Pota"/>
-        <a:font script="Mong" typeface="Mongolian Baiti"/>
-        <a:font script="Viet" typeface="Times New Roman"/>
-        <a:font script="Uigh" typeface="Microsoft Uighur"/>
-        <a:font script="Geor" typeface="Sylfaen"/>
-      </a:majorFont>
-      <a:minorFont>
-        <a:latin typeface="Arial"/>
-        <a:ea typeface=""/>
-        <a:cs typeface=""/>
-        <a:font script="Jpan" typeface="ＭＳ Ｐゴシック"/>
-        <a:font script="Hang" typeface="맑은 고딕"/>
-        <a:font script="Hans" typeface="宋体"/>
-        <a:font script="Hant" typeface="新細明體"/>
-        <a:font script="Arab" typeface="Arial"/>
-        <a:font script="Hebr" typeface="Arial"/>
-        <a:font script="Thai" typeface="Cordia New"/>
-        <a:font script="Ethi" typeface="Nyala"/>
-        <a:font script="Beng" typeface="Vrinda"/>
-        <a:font script="Gujr" typeface="Shruti"/>
-        <a:font script="Khmr" typeface="DaunPenh"/>
-        <a:font script="Knda" typeface="Tunga"/>
-        <a:font script="Guru" typeface="Raavi"/>
-        <a:font script="Cans" typeface="Euphemia"/>
-        <a:font script="Cher" typeface="Plantagenet Cherokee"/>
-        <a:font script="Yiii" typeface="Microsoft Yi Baiti"/>
-        <a:font script="Tibt" typeface="Microsoft Himalaya"/>
-        <a:font script="Thaa" typeface="MV Boli"/>
-        <a:font script="Deva" typeface="Mangal"/>
-        <a:font script="Telu" typeface="Gautami"/>
-        <a:font script="Taml" typeface="Latha"/>
-        <a:font script="Syrc" typeface="Estrangelo Edessa"/>
-        <a:font script="Orya" typeface="Kalinga"/>
-        <a:font script="Mlym" typeface="Kartika"/>
-        <a:font script="Laoo" typeface="DokChampa"/>
-        <a:font script="Sinh" typeface="Iskoola Pota"/>
-        <a:font script="Mong" typeface="Mongolian Baiti"/>
-        <a:font script="Viet" typeface="Arial"/>
-        <a:font script="Uigh" typeface="Microsoft Uighur"/>
-        <a:font script="Geor" typeface="Sylfaen"/>
-      </a:minorFont>
-    </a:fontScheme>
-    <a:fmtScheme name="Office">
-      <a:fillStyleLst>
-        <a:solidFill>
-          <a:schemeClr val="phClr"/>
-        </a:solidFill>
-        <a:gradFill rotWithShape="1">
-          <a:gsLst>
-            <a:gs pos="0">
-              <a:schemeClr val="phClr">
-                <a:tint val="50000"/>
-                <a:satMod val="300000"/>
-              </a:schemeClr>
-            </a:gs>
-            <a:gs pos="35000">
-              <a:schemeClr val="phClr">
-                <a:tint val="37000"/>
-                <a:satMod val="300000"/>
-              </a:schemeClr>
-            </a:gs>
-            <a:gs pos="100000">
-              <a:schemeClr val="phClr">
-                <a:tint val="15000"/>
-                <a:satMod val="350000"/>
-              </a:schemeClr>
-            </a:gs>
-          </a:gsLst>
-          <a:lin ang="16200000" scaled="1"/>
-        </a:gradFill>
-        <a:gradFill rotWithShape="1">
-          <a:gsLst>
-            <a:gs pos="0">
-              <a:schemeClr val="phClr">
-                <a:tint val="100000"/>
-                <a:shade val="100000"/>
-                <a:satMod val="130000"/>
-              </a:schemeClr>
-            </a:gs>
-            <a:gs pos="100000">
-              <a:schemeClr val="phClr">
-                <a:tint val="50000"/>
-                <a:shade val="100000"/>
-                <a:satMod val="350000"/>
-              </a:schemeClr>
-            </a:gs>
-          </a:gsLst>
-          <a:lin ang="16200000" scaled="0"/>
-        </a:gradFill>
-      </a:fillStyleLst>
-      <a:lnStyleLst>
-        <a:ln w="9525" cap="flat" cmpd="sng" algn="ctr">
-          <a:solidFill>
-            <a:schemeClr val="phClr">
-              <a:shade val="95000"/>
-              <a:satMod val="105000"/>
-            </a:schemeClr>
-          </a:solidFill>
-          <a:prstDash val="solid"/>
-        </a:ln>
-        <a:ln w="25400" cap="flat" cmpd="sng" algn="ctr">
-          <a:solidFill>
-            <a:schemeClr val="phClr"/>
-          </a:solidFill>
-          <a:prstDash val="solid"/>
-        </a:ln>
-        <a:ln w="38100" cap="flat" cmpd="sng" algn="ctr">
-          <a:solidFill>
-            <a:schemeClr val="phClr"/>
-          </a:solidFill>
-          <a:prstDash val="solid"/>
-        </a:ln>
-      </a:lnStyleLst>
-      <a:effectStyleLst>
-        <a:effectStyle>
-          <a:effectLst>
-            <a:outerShdw blurRad="40000" dist="20000" dir="5400000" rotWithShape="0">
-              <a:srgbClr val="000000">
-                <a:alpha val="38000"/>
-              </a:srgbClr>
-            </a:outerShdw>
-          </a:effectLst>
-        </a:effectStyle>
-        <a:effectStyle>
-          <a:effectLst>
-            <a:outerShdw blurRad="40000" dist="23000" dir="5400000" rotWithShape="0">
-              <a:srgbClr val="000000">
-                <a:alpha val="35000"/>
-              </a:srgbClr>
-            </a:outerShdw>
-          </a:effectLst>
-        </a:effectStyle>
-        <a:effectStyle>
-          <a:effectLst>
-            <a:outerShdw blurRad="40000" dist="23000" dir="5400000" rotWithShape="0">
-              <a:srgbClr val="000000">
-                <a:alpha val="35000"/>
-              </a:srgbClr>
-            </a:outerShdw>
-          </a:effectLst>
-          <a:scene3d>
-            <a:camera prst="orthographicFront">
-              <a:rot lat="0" lon="0" rev="0"/>
-            </a:camera>
-            <a:lightRig rig="threePt" dir="t">
-              <a:rot lat="0" lon="0" rev="1200000"/>
-            </a:lightRig>
-          </a:scene3d>
-          <a:sp3d>
-            <a:bevelT w="63500" h="25400"/>
-          </a:sp3d>
-        </a:effectStyle>
-      </a:effectStyleLst>
-      <a:bgFillStyleLst>
-        <a:solidFill>
-          <a:schemeClr val="phClr"/>
-        </a:solidFill>
-        <a:gradFill rotWithShape="1">
-          <a:gsLst>
-            <a:gs pos="0">
-              <a:schemeClr val="phClr">
-                <a:tint val="40000"/>
-                <a:satMod val="350000"/>
-              </a:schemeClr>
-            </a:gs>
-            <a:gs pos="40000">
-              <a:schemeClr val="phClr">
-                <a:tint val="45000"/>
-                <a:shade val="99000"/>
-                <a:satMod val="350000"/>
-              </a:schemeClr>
-            </a:gs>
-            <a:gs pos="100000">
-              <a:schemeClr val="phClr">
-                <a:shade val="20000"/>
-                <a:satMod val="255000"/>
-              </a:schemeClr>
-            </a:gs>
-          </a:gsLst>
-          <a:path path="circle">
-            <a:fillToRect l="50000" t="-80000" r="50000" b="180000"/>
-          </a:path>
-        </a:gradFill>
-        <a:gradFill rotWithShape="1">
-          <a:gsLst>
-            <a:gs pos="0">
-              <a:schemeClr val="phClr">
-                <a:tint val="80000"/>
-                <a:satMod val="300000"/>
-              </a:schemeClr>
-            </a:gs>
-            <a:gs pos="100000">
-              <a:schemeClr val="phClr">
-                <a:shade val="30000"/>
-                <a:satMod val="200000"/>
-              </a:schemeClr>
-            </a:gs>
-          </a:gsLst>
-          <a:path path="circle">
-            <a:fillToRect l="50000" t="50000" r="50000" b="50000"/>
-          </a:path>
-        </a:gradFill>
-      </a:bgFillStyleLst>
-    </a:fmtScheme>
-  </a:themeElements>
-</a:theme>
 </file>